--- a/C.Davidica-Proiect Final.pptx
+++ b/C.Davidica-Proiect Final.pptx
@@ -6761,7 +6761,7 @@
             <a:fld id="{2D389646-50BF-4DAE-BA69-ECD7850A3322}" type="datetime1">
               <a:rPr lang="en-US" smtClean="0"/>
               <a:pPr lvl="0"/>
-              <a:t>3/12/2024</a:t>
+              <a:t>3/13/2024</a:t>
             </a:fld>
             <a:endParaRPr lang="en-US"/>
           </a:p>
@@ -7032,7 +7032,7 @@
             <a:fld id="{2D389646-50BF-4DAE-BA69-ECD7850A3322}" type="datetime1">
               <a:rPr lang="en-US" smtClean="0"/>
               <a:pPr lvl="0"/>
-              <a:t>3/12/2024</a:t>
+              <a:t>3/13/2024</a:t>
             </a:fld>
             <a:endParaRPr lang="en-US"/>
           </a:p>
@@ -7232,7 +7232,7 @@
             <a:fld id="{2D389646-50BF-4DAE-BA69-ECD7850A3322}" type="datetime1">
               <a:rPr lang="en-US" smtClean="0"/>
               <a:pPr lvl="0"/>
-              <a:t>3/12/2024</a:t>
+              <a:t>3/13/2024</a:t>
             </a:fld>
             <a:endParaRPr lang="en-US"/>
           </a:p>
@@ -7499,7 +7499,7 @@
             <a:fld id="{2D389646-50BF-4DAE-BA69-ECD7850A3322}" type="datetime1">
               <a:rPr lang="en-US" smtClean="0"/>
               <a:pPr lvl="0"/>
-              <a:t>3/12/2024</a:t>
+              <a:t>3/13/2024</a:t>
             </a:fld>
             <a:endParaRPr lang="en-US"/>
           </a:p>
@@ -7937,7 +7937,7 @@
             <a:fld id="{2D389646-50BF-4DAE-BA69-ECD7850A3322}" type="datetime1">
               <a:rPr lang="en-US" smtClean="0"/>
               <a:pPr lvl="0"/>
-              <a:t>3/12/2024</a:t>
+              <a:t>3/13/2024</a:t>
             </a:fld>
             <a:endParaRPr lang="en-US"/>
           </a:p>
@@ -8487,7 +8487,7 @@
             <a:fld id="{2D389646-50BF-4DAE-BA69-ECD7850A3322}" type="datetime1">
               <a:rPr lang="en-US" smtClean="0"/>
               <a:pPr lvl="0"/>
-              <a:t>3/12/2024</a:t>
+              <a:t>3/13/2024</a:t>
             </a:fld>
             <a:endParaRPr lang="en-US"/>
           </a:p>
@@ -9211,7 +9211,7 @@
             <a:fld id="{2D389646-50BF-4DAE-BA69-ECD7850A3322}" type="datetime1">
               <a:rPr lang="en-US" smtClean="0"/>
               <a:pPr lvl="0"/>
-              <a:t>3/12/2024</a:t>
+              <a:t>3/13/2024</a:t>
             </a:fld>
             <a:endParaRPr lang="en-US"/>
           </a:p>
@@ -9385,7 +9385,7 @@
             <a:fld id="{2D389646-50BF-4DAE-BA69-ECD7850A3322}" type="datetime1">
               <a:rPr lang="en-US" smtClean="0"/>
               <a:pPr lvl="0"/>
-              <a:t>3/12/2024</a:t>
+              <a:t>3/13/2024</a:t>
             </a:fld>
             <a:endParaRPr lang="en-US"/>
           </a:p>
@@ -9569,7 +9569,7 @@
             <a:fld id="{2D389646-50BF-4DAE-BA69-ECD7850A3322}" type="datetime1">
               <a:rPr lang="en-US" smtClean="0"/>
               <a:pPr lvl="0"/>
-              <a:t>3/12/2024</a:t>
+              <a:t>3/13/2024</a:t>
             </a:fld>
             <a:endParaRPr lang="en-US"/>
           </a:p>
@@ -9743,7 +9743,7 @@
             <a:fld id="{2D389646-50BF-4DAE-BA69-ECD7850A3322}" type="datetime1">
               <a:rPr lang="en-US" smtClean="0"/>
               <a:pPr lvl="0"/>
-              <a:t>3/12/2024</a:t>
+              <a:t>3/13/2024</a:t>
             </a:fld>
             <a:endParaRPr lang="en-US"/>
           </a:p>
@@ -9997,7 +9997,7 @@
             <a:fld id="{2D389646-50BF-4DAE-BA69-ECD7850A3322}" type="datetime1">
               <a:rPr lang="en-US" smtClean="0"/>
               <a:pPr lvl="0"/>
-              <a:t>3/12/2024</a:t>
+              <a:t>3/13/2024</a:t>
             </a:fld>
             <a:endParaRPr lang="en-US"/>
           </a:p>
@@ -10233,7 +10233,7 @@
             <a:fld id="{2D389646-50BF-4DAE-BA69-ECD7850A3322}" type="datetime1">
               <a:rPr lang="en-US" smtClean="0"/>
               <a:pPr lvl="0"/>
-              <a:t>3/12/2024</a:t>
+              <a:t>3/13/2024</a:t>
             </a:fld>
             <a:endParaRPr lang="en-US"/>
           </a:p>
@@ -10618,7 +10618,7 @@
             <a:fld id="{2D389646-50BF-4DAE-BA69-ECD7850A3322}" type="datetime1">
               <a:rPr lang="en-US" smtClean="0"/>
               <a:pPr lvl="0"/>
-              <a:t>3/12/2024</a:t>
+              <a:t>3/13/2024</a:t>
             </a:fld>
             <a:endParaRPr lang="en-US"/>
           </a:p>
@@ -10740,7 +10740,7 @@
             <a:fld id="{2D389646-50BF-4DAE-BA69-ECD7850A3322}" type="datetime1">
               <a:rPr lang="en-US" smtClean="0"/>
               <a:pPr lvl="0"/>
-              <a:t>3/12/2024</a:t>
+              <a:t>3/13/2024</a:t>
             </a:fld>
             <a:endParaRPr lang="en-US"/>
           </a:p>
@@ -10839,7 +10839,7 @@
             <a:fld id="{2D389646-50BF-4DAE-BA69-ECD7850A3322}" type="datetime1">
               <a:rPr lang="en-US" smtClean="0"/>
               <a:pPr lvl="0"/>
-              <a:t>3/12/2024</a:t>
+              <a:t>3/13/2024</a:t>
             </a:fld>
             <a:endParaRPr lang="en-US"/>
           </a:p>
@@ -11093,7 +11093,7 @@
             <a:fld id="{2D389646-50BF-4DAE-BA69-ECD7850A3322}" type="datetime1">
               <a:rPr lang="en-US" smtClean="0"/>
               <a:pPr lvl="0"/>
-              <a:t>3/12/2024</a:t>
+              <a:t>3/13/2024</a:t>
             </a:fld>
             <a:endParaRPr lang="en-US"/>
           </a:p>
@@ -11377,7 +11377,7 @@
             <a:fld id="{2D389646-50BF-4DAE-BA69-ECD7850A3322}" type="datetime1">
               <a:rPr lang="en-US" smtClean="0"/>
               <a:pPr lvl="0"/>
-              <a:t>3/12/2024</a:t>
+              <a:t>3/13/2024</a:t>
             </a:fld>
             <a:endParaRPr lang="en-US"/>
           </a:p>
@@ -14458,7 +14458,7 @@
             <a:fld id="{2D389646-50BF-4DAE-BA69-ECD7850A3322}" type="datetime1">
               <a:rPr lang="en-US" smtClean="0"/>
               <a:pPr lvl="0"/>
-              <a:t>3/12/2024</a:t>
+              <a:t>3/13/2024</a:t>
             </a:fld>
             <a:endParaRPr lang="en-US"/>
           </a:p>
@@ -15020,8 +15020,8 @@
         </p:nvSpPr>
         <p:spPr>
           <a:xfrm>
-            <a:off x="816840" y="3943440"/>
-            <a:ext cx="2622240" cy="821880"/>
+            <a:off x="804949" y="3943440"/>
+            <a:ext cx="2646022" cy="842238"/>
           </a:xfrm>
           <a:custGeom>
             <a:avLst/>
@@ -15092,12 +15092,12 @@
               <a:tabLst/>
             </a:pPr>
             <a:r>
-              <a:rPr lang="en-US" sz="2400" b="0" i="0" u="none" strike="noStrike" kern="1200" spc="0">
-                <a:ln>
-                  <a:noFill/>
-                </a:ln>
-                <a:solidFill>
-                  <a:srgbClr val="000000"/>
+              <a:rPr lang="en-US" sz="2400" b="0" i="0" u="none" strike="noStrike" kern="1200" spc="0" dirty="0">
+                <a:ln>
+                  <a:noFill/>
+                </a:ln>
+                <a:solidFill>
+                  <a:schemeClr val="bg1"/>
                 </a:solidFill>
                 <a:latin typeface="Calibri" pitchFamily="18"/>
                 <a:ea typeface="Microsoft YaHei" pitchFamily="2"/>
@@ -15121,12 +15121,12 @@
               <a:tabLst/>
             </a:pPr>
             <a:r>
-              <a:rPr lang="en-US" sz="2400" b="0" i="0" u="none" strike="noStrike" kern="1200" spc="0">
-                <a:ln>
-                  <a:noFill/>
-                </a:ln>
-                <a:solidFill>
-                  <a:srgbClr val="000000"/>
+              <a:rPr lang="en-US" sz="2400" b="0" i="0" u="none" strike="noStrike" kern="1200" spc="0" dirty="0">
+                <a:ln>
+                  <a:noFill/>
+                </a:ln>
+                <a:solidFill>
+                  <a:schemeClr val="bg1"/>
                 </a:solidFill>
                 <a:latin typeface="Calibri" pitchFamily="18"/>
                 <a:ea typeface="Microsoft YaHei" pitchFamily="2"/>
@@ -15220,61 +15220,6 @@
                 <a:cs typeface="Lucida Sans" pitchFamily="2"/>
               </a:rPr>
               <a:t> Final</a:t>
-            </a:r>
-          </a:p>
-        </p:txBody>
-      </p:sp>
-      <p:sp>
-        <p:nvSpPr>
-          <p:cNvPr id="7" name="TextBox 6">
-            <a:extLst>
-              <a:ext uri="{FF2B5EF4-FFF2-40B4-BE49-F238E27FC236}">
-                <a16:creationId xmlns:a16="http://schemas.microsoft.com/office/drawing/2014/main" id="{7E00BD75-BDD6-6EF0-F6A2-0D6CC981ED67}"/>
-              </a:ext>
-            </a:extLst>
-          </p:cNvPr>
-          <p:cNvSpPr txBox="1"/>
-          <p:nvPr/>
-        </p:nvSpPr>
-        <p:spPr>
-          <a:xfrm>
-            <a:off x="8477907" y="6421086"/>
-            <a:ext cx="2694918" cy="369332"/>
-          </a:xfrm>
-          <a:prstGeom prst="rect">
-            <a:avLst/>
-          </a:prstGeom>
-          <a:noFill/>
-        </p:spPr>
-        <p:txBody>
-          <a:bodyPr wrap="square">
-            <a:spAutoFit/>
-          </a:bodyPr>
-          <a:lstStyle/>
-          <a:p>
-            <a:pPr marL="0" marR="0" lvl="0" indent="0" algn="r" rtl="0" hangingPunct="1">
-              <a:lnSpc>
-                <a:spcPct val="100000"/>
-              </a:lnSpc>
-              <a:spcBef>
-                <a:spcPts val="0"/>
-              </a:spcBef>
-              <a:spcAft>
-                <a:spcPts val="0"/>
-              </a:spcAft>
-              <a:buNone/>
-              <a:tabLst/>
-            </a:pPr>
-            <a:r>
-              <a:rPr lang="en-US" sz="1800" b="0" i="0" u="none" strike="noStrike" kern="1200" spc="0" dirty="0">
-                <a:ln>
-                  <a:noFill/>
-                </a:ln>
-                <a:latin typeface="Calibri" pitchFamily="18"/>
-                <a:ea typeface="Microsoft YaHei" pitchFamily="2"/>
-                <a:cs typeface="Lucida Sans" pitchFamily="2"/>
-              </a:rPr>
-              <a:t>Constantin Davidica - TA37</a:t>
             </a:r>
           </a:p>
         </p:txBody>
@@ -17046,61 +16991,6 @@
               <a:t>”</a:t>
             </a:r>
             <a:endParaRPr lang="en-US" dirty="0"/>
-          </a:p>
-        </p:txBody>
-      </p:sp>
-      <p:sp>
-        <p:nvSpPr>
-          <p:cNvPr id="9" name="TextBox 8">
-            <a:extLst>
-              <a:ext uri="{FF2B5EF4-FFF2-40B4-BE49-F238E27FC236}">
-                <a16:creationId xmlns:a16="http://schemas.microsoft.com/office/drawing/2014/main" id="{9836C2FE-934F-9974-3DBC-40172187BFD9}"/>
-              </a:ext>
-            </a:extLst>
-          </p:cNvPr>
-          <p:cNvSpPr txBox="1"/>
-          <p:nvPr/>
-        </p:nvSpPr>
-        <p:spPr>
-          <a:xfrm>
-            <a:off x="8477907" y="6421086"/>
-            <a:ext cx="2694918" cy="369332"/>
-          </a:xfrm>
-          <a:prstGeom prst="rect">
-            <a:avLst/>
-          </a:prstGeom>
-          <a:noFill/>
-        </p:spPr>
-        <p:txBody>
-          <a:bodyPr wrap="square">
-            <a:spAutoFit/>
-          </a:bodyPr>
-          <a:lstStyle/>
-          <a:p>
-            <a:pPr marL="0" marR="0" lvl="0" indent="0" algn="r" rtl="0" hangingPunct="1">
-              <a:lnSpc>
-                <a:spcPct val="100000"/>
-              </a:lnSpc>
-              <a:spcBef>
-                <a:spcPts val="0"/>
-              </a:spcBef>
-              <a:spcAft>
-                <a:spcPts val="0"/>
-              </a:spcAft>
-              <a:buNone/>
-              <a:tabLst/>
-            </a:pPr>
-            <a:r>
-              <a:rPr lang="en-US" sz="1800" b="0" i="0" u="none" strike="noStrike" kern="1200" spc="0" dirty="0">
-                <a:ln>
-                  <a:noFill/>
-                </a:ln>
-                <a:latin typeface="Calibri" pitchFamily="18"/>
-                <a:ea typeface="Microsoft YaHei" pitchFamily="2"/>
-                <a:cs typeface="Lucida Sans" pitchFamily="2"/>
-              </a:rPr>
-              <a:t>Constantin Davidica - TA37</a:t>
-            </a:r>
           </a:p>
         </p:txBody>
       </p:sp>
@@ -18330,61 +18220,6 @@
           </a:ln>
         </p:spPr>
       </p:pic>
-      <p:sp>
-        <p:nvSpPr>
-          <p:cNvPr id="9" name="TextBox 8">
-            <a:extLst>
-              <a:ext uri="{FF2B5EF4-FFF2-40B4-BE49-F238E27FC236}">
-                <a16:creationId xmlns:a16="http://schemas.microsoft.com/office/drawing/2014/main" id="{90C7290B-A30C-F0D3-6C31-ED2AB62138CE}"/>
-              </a:ext>
-            </a:extLst>
-          </p:cNvPr>
-          <p:cNvSpPr txBox="1"/>
-          <p:nvPr/>
-        </p:nvSpPr>
-        <p:spPr>
-          <a:xfrm>
-            <a:off x="8477907" y="6421086"/>
-            <a:ext cx="2694918" cy="369332"/>
-          </a:xfrm>
-          <a:prstGeom prst="rect">
-            <a:avLst/>
-          </a:prstGeom>
-          <a:noFill/>
-        </p:spPr>
-        <p:txBody>
-          <a:bodyPr wrap="square">
-            <a:spAutoFit/>
-          </a:bodyPr>
-          <a:lstStyle/>
-          <a:p>
-            <a:pPr marL="0" marR="0" lvl="0" indent="0" algn="r" rtl="0" hangingPunct="1">
-              <a:lnSpc>
-                <a:spcPct val="100000"/>
-              </a:lnSpc>
-              <a:spcBef>
-                <a:spcPts val="0"/>
-              </a:spcBef>
-              <a:spcAft>
-                <a:spcPts val="0"/>
-              </a:spcAft>
-              <a:buNone/>
-              <a:tabLst/>
-            </a:pPr>
-            <a:r>
-              <a:rPr lang="en-US" sz="1800" b="0" i="0" u="none" strike="noStrike" kern="1200" spc="0" dirty="0">
-                <a:ln>
-                  <a:noFill/>
-                </a:ln>
-                <a:latin typeface="Calibri" pitchFamily="18"/>
-                <a:ea typeface="Microsoft YaHei" pitchFamily="2"/>
-                <a:cs typeface="Lucida Sans" pitchFamily="2"/>
-              </a:rPr>
-              <a:t>Constantin Davidica - TA37</a:t>
-            </a:r>
-          </a:p>
-        </p:txBody>
-      </p:sp>
     </p:spTree>
   </p:cSld>
   <p:clrMapOvr>
@@ -20876,10 +20711,10 @@
       </p:sp>
       <p:sp>
         <p:nvSpPr>
-          <p:cNvPr id="6" name="Title 4">
+          <p:cNvPr id="2" name="Title 4">
             <a:extLst>
               <a:ext uri="{FF2B5EF4-FFF2-40B4-BE49-F238E27FC236}">
-                <a16:creationId xmlns:a16="http://schemas.microsoft.com/office/drawing/2014/main" id="{9680BEDB-4054-2A5E-BB7F-0ACFCF6A8BE7}"/>
+                <a16:creationId xmlns:a16="http://schemas.microsoft.com/office/drawing/2014/main" id="{E06DC6C1-0F7A-4441-58BF-A829A3468EA8}"/>
               </a:ext>
             </a:extLst>
           </p:cNvPr>
@@ -20890,125 +20725,52 @@
         </p:nvSpPr>
         <p:spPr>
           <a:xfrm>
-            <a:off x="38160" y="0"/>
-            <a:ext cx="12153240" cy="731159"/>
+            <a:off x="38100" y="0"/>
+            <a:ext cx="12153900" cy="731838"/>
           </a:xfrm>
           <a:prstGeom prst="rect">
             <a:avLst/>
           </a:prstGeom>
-          <a:noFill/>
-          <a:ln>
-            <a:noFill/>
-          </a:ln>
         </p:spPr>
         <p:txBody>
-          <a:bodyPr vert="horz" wrap="square" lIns="90000" tIns="45000" rIns="90000" bIns="45000" anchor="t">
+          <a:bodyPr vert="horz" wrap="square" lIns="90000" tIns="45000" rIns="90000" bIns="45000" rtlCol="0" anchor="t">
             <a:noAutofit/>
           </a:bodyPr>
           <a:lstStyle>
-            <a:lvl1pPr algn="l" rtl="0" hangingPunct="1">
+            <a:lvl1pPr algn="l" defTabSz="914400" rtl="0" eaLnBrk="1" latinLnBrk="0" hangingPunct="1">
               <a:lnSpc>
                 <a:spcPct val="90000"/>
               </a:lnSpc>
-              <a:tabLst/>
-              <a:defRPr lang="en-US" sz="1800" b="0" i="0" u="none" strike="noStrike" kern="1200" spc="0">
-                <a:ln>
-                  <a:noFill/>
-                </a:ln>
-                <a:solidFill>
-                  <a:srgbClr val="000000"/>
-                </a:solidFill>
-                <a:latin typeface="Calibri" pitchFamily="18"/>
-                <a:ea typeface="Microsoft YaHei" pitchFamily="2"/>
+              <a:spcBef>
+                <a:spcPct val="0"/>
+              </a:spcBef>
+              <a:buNone/>
+              <a:defRPr sz="3600" kern="1200" cap="all" baseline="0">
+                <a:solidFill>
+                  <a:schemeClr val="tx1"/>
+                </a:solidFill>
+                <a:latin typeface="+mj-lt"/>
+                <a:ea typeface="+mj-ea"/>
+                <a:cs typeface="+mj-cs"/>
               </a:defRPr>
             </a:lvl1pPr>
           </a:lstStyle>
           <a:p>
             <a:r>
-              <a:rPr lang="en-US" sz="4400" dirty="0" err="1">
+              <a:rPr lang="en-US" sz="4400">
                 <a:latin typeface="Calibri Light" pitchFamily="18"/>
               </a:rPr>
-              <a:t>Partea</a:t>
-            </a:r>
-            <a:r>
-              <a:rPr lang="en-US" sz="4400" dirty="0">
+              <a:t>Partea II – </a:t>
+            </a:r>
+            <a:r>
+              <a:rPr lang="en-US" sz="3000">
                 <a:latin typeface="Calibri Light" pitchFamily="18"/>
               </a:rPr>
-              <a:t> II – </a:t>
-            </a:r>
-            <a:r>
-              <a:rPr lang="en-US" sz="3000" dirty="0">
-                <a:latin typeface="Calibri Light" pitchFamily="18"/>
-              </a:rPr>
-              <a:t>Framework de </a:t>
-            </a:r>
-            <a:r>
-              <a:rPr lang="en-US" sz="3000" dirty="0" err="1">
-                <a:latin typeface="Calibri Light" pitchFamily="18"/>
-              </a:rPr>
-              <a:t>testare</a:t>
-            </a:r>
-            <a:r>
-              <a:rPr lang="en-US" sz="3000" dirty="0">
-                <a:latin typeface="Calibri Light" pitchFamily="18"/>
-              </a:rPr>
-              <a:t> automata in selenium</a:t>
-            </a:r>
-          </a:p>
-        </p:txBody>
-      </p:sp>
-      <p:sp>
-        <p:nvSpPr>
-          <p:cNvPr id="8" name="TextBox 7">
-            <a:extLst>
-              <a:ext uri="{FF2B5EF4-FFF2-40B4-BE49-F238E27FC236}">
-                <a16:creationId xmlns:a16="http://schemas.microsoft.com/office/drawing/2014/main" id="{260BF745-E9BD-B8F2-23E1-325100D04F37}"/>
-              </a:ext>
-            </a:extLst>
-          </p:cNvPr>
-          <p:cNvSpPr txBox="1"/>
-          <p:nvPr/>
-        </p:nvSpPr>
-        <p:spPr>
-          <a:xfrm>
-            <a:off x="8477907" y="6421086"/>
-            <a:ext cx="2694918" cy="369332"/>
-          </a:xfrm>
-          <a:prstGeom prst="rect">
-            <a:avLst/>
-          </a:prstGeom>
-          <a:noFill/>
-        </p:spPr>
-        <p:txBody>
-          <a:bodyPr wrap="square">
-            <a:spAutoFit/>
-          </a:bodyPr>
-          <a:lstStyle/>
-          <a:p>
-            <a:pPr marL="0" marR="0" lvl="0" indent="0" algn="r" rtl="0" hangingPunct="1">
-              <a:lnSpc>
-                <a:spcPct val="100000"/>
-              </a:lnSpc>
-              <a:spcBef>
-                <a:spcPts val="0"/>
-              </a:spcBef>
-              <a:spcAft>
-                <a:spcPts val="0"/>
-              </a:spcAft>
-              <a:buNone/>
-              <a:tabLst/>
-            </a:pPr>
-            <a:r>
-              <a:rPr lang="en-US" sz="1800" b="0" i="0" u="none" strike="noStrike" kern="1200" spc="0" dirty="0">
-                <a:ln>
-                  <a:noFill/>
-                </a:ln>
-                <a:latin typeface="Calibri" pitchFamily="18"/>
-                <a:ea typeface="Microsoft YaHei" pitchFamily="2"/>
-                <a:cs typeface="Lucida Sans" pitchFamily="2"/>
-              </a:rPr>
-              <a:t>Constantin Davidica - TA37</a:t>
-            </a:r>
+              <a:t>Framework de testare automata in selenium</a:t>
+            </a:r>
+            <a:endParaRPr lang="en-US" sz="3000" dirty="0">
+              <a:latin typeface="Calibri Light" pitchFamily="18"/>
+            </a:endParaRPr>
           </a:p>
         </p:txBody>
       </p:sp>
@@ -21037,74 +20799,6 @@
           <a:chExt cx="0" cy="0"/>
         </a:xfrm>
       </p:grpSpPr>
-      <p:sp>
-        <p:nvSpPr>
-          <p:cNvPr id="2" name="Title 4">
-            <a:extLst>
-              <a:ext uri="{FF2B5EF4-FFF2-40B4-BE49-F238E27FC236}">
-                <a16:creationId xmlns:a16="http://schemas.microsoft.com/office/drawing/2014/main" id="{405A5151-D9D5-C48B-9167-7C085AE2D5C8}"/>
-              </a:ext>
-            </a:extLst>
-          </p:cNvPr>
-          <p:cNvSpPr txBox="1">
-            <a:spLocks/>
-          </p:cNvSpPr>
-          <p:nvPr/>
-        </p:nvSpPr>
-        <p:spPr>
-          <a:xfrm>
-            <a:off x="38160" y="0"/>
-            <a:ext cx="12153240" cy="731159"/>
-          </a:xfrm>
-          <a:prstGeom prst="rect">
-            <a:avLst/>
-          </a:prstGeom>
-          <a:noFill/>
-          <a:ln>
-            <a:noFill/>
-          </a:ln>
-        </p:spPr>
-        <p:txBody>
-          <a:bodyPr vert="horz" wrap="square" lIns="90000" tIns="45000" rIns="90000" bIns="45000" anchor="t">
-            <a:noAutofit/>
-          </a:bodyPr>
-          <a:lstStyle>
-            <a:lvl1pPr algn="l" rtl="0" hangingPunct="1">
-              <a:lnSpc>
-                <a:spcPct val="90000"/>
-              </a:lnSpc>
-              <a:tabLst/>
-              <a:defRPr lang="en-US" sz="1800" b="0" i="0" u="none" strike="noStrike" kern="1200" spc="0">
-                <a:ln>
-                  <a:noFill/>
-                </a:ln>
-                <a:solidFill>
-                  <a:srgbClr val="000000"/>
-                </a:solidFill>
-                <a:latin typeface="Calibri" pitchFamily="18"/>
-                <a:ea typeface="Microsoft YaHei" pitchFamily="2"/>
-              </a:defRPr>
-            </a:lvl1pPr>
-          </a:lstStyle>
-          <a:p>
-            <a:r>
-              <a:rPr lang="en-US" sz="4400">
-                <a:latin typeface="Calibri Light" pitchFamily="18"/>
-              </a:rPr>
-              <a:t>Partea II – </a:t>
-            </a:r>
-            <a:r>
-              <a:rPr lang="en-US" sz="3000">
-                <a:latin typeface="Calibri Light" pitchFamily="18"/>
-              </a:rPr>
-              <a:t>Framework de testare automata in selenium</a:t>
-            </a:r>
-            <a:endParaRPr lang="en-US" sz="3000" dirty="0">
-              <a:latin typeface="Calibri Light" pitchFamily="18"/>
-            </a:endParaRPr>
-          </a:p>
-        </p:txBody>
-      </p:sp>
       <p:pic>
         <p:nvPicPr>
           <p:cNvPr id="4" name="Picture 3">
@@ -21259,56 +20953,66 @@
       </p:pic>
       <p:sp>
         <p:nvSpPr>
-          <p:cNvPr id="8" name="TextBox 7">
+          <p:cNvPr id="3" name="Title 4">
             <a:extLst>
               <a:ext uri="{FF2B5EF4-FFF2-40B4-BE49-F238E27FC236}">
-                <a16:creationId xmlns:a16="http://schemas.microsoft.com/office/drawing/2014/main" id="{BA8A5C1A-14CC-32BE-FD73-DC61F6155523}"/>
+                <a16:creationId xmlns:a16="http://schemas.microsoft.com/office/drawing/2014/main" id="{EF49954C-B323-4061-A797-98A020CB828A}"/>
               </a:ext>
             </a:extLst>
           </p:cNvPr>
-          <p:cNvSpPr txBox="1"/>
+          <p:cNvSpPr txBox="1">
+            <a:spLocks/>
+          </p:cNvSpPr>
           <p:nvPr/>
         </p:nvSpPr>
         <p:spPr>
           <a:xfrm>
-            <a:off x="8477907" y="6421086"/>
-            <a:ext cx="2694918" cy="369332"/>
+            <a:off x="38100" y="0"/>
+            <a:ext cx="12153900" cy="731838"/>
           </a:xfrm>
           <a:prstGeom prst="rect">
             <a:avLst/>
           </a:prstGeom>
-          <a:noFill/>
         </p:spPr>
         <p:txBody>
-          <a:bodyPr wrap="square">
-            <a:spAutoFit/>
+          <a:bodyPr vert="horz" wrap="square" lIns="90000" tIns="45000" rIns="90000" bIns="45000" rtlCol="0" anchor="t">
+            <a:noAutofit/>
           </a:bodyPr>
-          <a:lstStyle/>
-          <a:p>
-            <a:pPr marL="0" marR="0" lvl="0" indent="0" algn="r" rtl="0" hangingPunct="1">
+          <a:lstStyle>
+            <a:lvl1pPr algn="l" defTabSz="914400" rtl="0" eaLnBrk="1" latinLnBrk="0" hangingPunct="1">
               <a:lnSpc>
-                <a:spcPct val="100000"/>
+                <a:spcPct val="90000"/>
               </a:lnSpc>
               <a:spcBef>
-                <a:spcPts val="0"/>
+                <a:spcPct val="0"/>
               </a:spcBef>
-              <a:spcAft>
-                <a:spcPts val="0"/>
-              </a:spcAft>
-              <a:buNone/>
-              <a:tabLst/>
-            </a:pPr>
-            <a:r>
-              <a:rPr lang="en-US" sz="1800" b="0" i="0" u="none" strike="noStrike" kern="1200" spc="0" dirty="0">
-                <a:ln>
-                  <a:noFill/>
-                </a:ln>
-                <a:latin typeface="Calibri" pitchFamily="18"/>
-                <a:ea typeface="Microsoft YaHei" pitchFamily="2"/>
-                <a:cs typeface="Lucida Sans" pitchFamily="2"/>
-              </a:rPr>
-              <a:t>Constantin Davidica - TA37</a:t>
-            </a:r>
+              <a:buNone/>
+              <a:defRPr sz="3600" kern="1200" cap="all" baseline="0">
+                <a:solidFill>
+                  <a:schemeClr val="tx1"/>
+                </a:solidFill>
+                <a:latin typeface="+mj-lt"/>
+                <a:ea typeface="+mj-ea"/>
+                <a:cs typeface="+mj-cs"/>
+              </a:defRPr>
+            </a:lvl1pPr>
+          </a:lstStyle>
+          <a:p>
+            <a:r>
+              <a:rPr lang="en-US" sz="4400">
+                <a:latin typeface="Calibri Light" pitchFamily="18"/>
+              </a:rPr>
+              <a:t>Partea II – </a:t>
+            </a:r>
+            <a:r>
+              <a:rPr lang="en-US" sz="3000">
+                <a:latin typeface="Calibri Light" pitchFamily="18"/>
+              </a:rPr>
+              <a:t>Framework de testare automata in selenium</a:t>
+            </a:r>
+            <a:endParaRPr lang="en-US" sz="3000" dirty="0">
+              <a:latin typeface="Calibri Light" pitchFamily="18"/>
+            </a:endParaRPr>
           </a:p>
         </p:txBody>
       </p:sp>
@@ -21342,181 +21046,6 @@
           <a:chExt cx="0" cy="0"/>
         </a:xfrm>
       </p:grpSpPr>
-      <p:sp>
-        <p:nvSpPr>
-          <p:cNvPr id="2" name="Title 4">
-            <a:extLst>
-              <a:ext uri="{FF2B5EF4-FFF2-40B4-BE49-F238E27FC236}">
-                <a16:creationId xmlns:a16="http://schemas.microsoft.com/office/drawing/2014/main" id="{622453D5-0E2A-AC67-E9EA-72C65EDA6DA4}"/>
-              </a:ext>
-            </a:extLst>
-          </p:cNvPr>
-          <p:cNvSpPr txBox="1">
-            <a:spLocks/>
-          </p:cNvSpPr>
-          <p:nvPr/>
-        </p:nvSpPr>
-        <p:spPr>
-          <a:xfrm>
-            <a:off x="38160" y="0"/>
-            <a:ext cx="12153240" cy="731159"/>
-          </a:xfrm>
-          <a:prstGeom prst="rect">
-            <a:avLst/>
-          </a:prstGeom>
-          <a:noFill/>
-          <a:ln>
-            <a:noFill/>
-          </a:ln>
-        </p:spPr>
-        <p:txBody>
-          <a:bodyPr vert="horz" wrap="square" lIns="90000" tIns="45000" rIns="90000" bIns="45000" anchor="t">
-            <a:noAutofit/>
-          </a:bodyPr>
-          <a:lstStyle>
-            <a:lvl1pPr algn="l" rtl="0" hangingPunct="1">
-              <a:lnSpc>
-                <a:spcPct val="90000"/>
-              </a:lnSpc>
-              <a:tabLst/>
-              <a:defRPr lang="en-US" sz="1800" b="0" i="0" u="none" strike="noStrike" kern="1200" spc="0">
-                <a:ln>
-                  <a:noFill/>
-                </a:ln>
-                <a:solidFill>
-                  <a:srgbClr val="000000"/>
-                </a:solidFill>
-                <a:latin typeface="Calibri" pitchFamily="18"/>
-                <a:ea typeface="Microsoft YaHei" pitchFamily="2"/>
-              </a:defRPr>
-            </a:lvl1pPr>
-          </a:lstStyle>
-          <a:p>
-            <a:r>
-              <a:rPr lang="en-US" sz="4400">
-                <a:latin typeface="Calibri Light" pitchFamily="18"/>
-              </a:rPr>
-              <a:t>Partea II – </a:t>
-            </a:r>
-            <a:r>
-              <a:rPr lang="en-US" sz="3000">
-                <a:latin typeface="Calibri Light" pitchFamily="18"/>
-              </a:rPr>
-              <a:t>Framework de testare automata in selenium</a:t>
-            </a:r>
-            <a:endParaRPr lang="en-US" sz="3000" dirty="0">
-              <a:latin typeface="Calibri Light" pitchFamily="18"/>
-            </a:endParaRPr>
-          </a:p>
-        </p:txBody>
-      </p:sp>
-      <p:sp>
-        <p:nvSpPr>
-          <p:cNvPr id="3" name="Rectangle 5">
-            <a:extLst>
-              <a:ext uri="{FF2B5EF4-FFF2-40B4-BE49-F238E27FC236}">
-                <a16:creationId xmlns:a16="http://schemas.microsoft.com/office/drawing/2014/main" id="{F93F94C8-56F8-51F3-B9E5-44A6F86AF9BE}"/>
-              </a:ext>
-            </a:extLst>
-          </p:cNvPr>
-          <p:cNvSpPr/>
-          <p:nvPr/>
-        </p:nvSpPr>
-        <p:spPr>
-          <a:xfrm>
-            <a:off x="0" y="6391440"/>
-            <a:ext cx="12191400" cy="432720"/>
-          </a:xfrm>
-          <a:custGeom>
-            <a:avLst/>
-            <a:gdLst>
-              <a:gd name="f0" fmla="val 0"/>
-              <a:gd name="f1" fmla="val 21600"/>
-            </a:gdLst>
-            <a:ahLst/>
-            <a:cxnLst>
-              <a:cxn ang="3cd4">
-                <a:pos x="hc" y="t"/>
-              </a:cxn>
-              <a:cxn ang="0">
-                <a:pos x="r" y="vc"/>
-              </a:cxn>
-              <a:cxn ang="cd4">
-                <a:pos x="hc" y="b"/>
-              </a:cxn>
-              <a:cxn ang="cd2">
-                <a:pos x="l" y="vc"/>
-              </a:cxn>
-            </a:cxnLst>
-            <a:rect l="l" t="t" r="r" b="b"/>
-            <a:pathLst>
-              <a:path w="21600" h="21600">
-                <a:moveTo>
-                  <a:pt x="f0" y="f0"/>
-                </a:moveTo>
-                <a:lnTo>
-                  <a:pt x="f1" y="f0"/>
-                </a:lnTo>
-                <a:lnTo>
-                  <a:pt x="f1" y="f1"/>
-                </a:lnTo>
-                <a:lnTo>
-                  <a:pt x="f0" y="f1"/>
-                </a:lnTo>
-                <a:lnTo>
-                  <a:pt x="f0" y="f0"/>
-                </a:lnTo>
-                <a:close/>
-              </a:path>
-            </a:pathLst>
-          </a:custGeom>
-          <a:solidFill>
-            <a:srgbClr val="8FAADC"/>
-          </a:solidFill>
-          <a:ln w="12600">
-            <a:solidFill>
-              <a:srgbClr val="1D3155"/>
-            </a:solidFill>
-            <a:prstDash val="solid"/>
-            <a:miter/>
-          </a:ln>
-        </p:spPr>
-        <p:txBody>
-          <a:bodyPr vert="horz" wrap="square" lIns="90000" tIns="45000" rIns="90000" bIns="45000" anchor="ctr" anchorCtr="0" compatLnSpc="0">
-            <a:noAutofit/>
-          </a:bodyPr>
-          <a:lstStyle/>
-          <a:p>
-            <a:pPr marL="0" marR="0" lvl="0" indent="0" algn="r" rtl="0" hangingPunct="1">
-              <a:lnSpc>
-                <a:spcPct val="100000"/>
-              </a:lnSpc>
-              <a:spcBef>
-                <a:spcPts val="0"/>
-              </a:spcBef>
-              <a:spcAft>
-                <a:spcPts val="0"/>
-              </a:spcAft>
-              <a:buNone/>
-              <a:tabLst/>
-            </a:pPr>
-            <a:r>
-              <a:rPr lang="en-US" sz="1800" b="0" i="0" u="none" strike="noStrike" kern="1200" spc="0">
-                <a:ln>
-                  <a:noFill/>
-                </a:ln>
-                <a:solidFill>
-                  <a:srgbClr val="000000"/>
-                </a:solidFill>
-                <a:latin typeface="Calibri" pitchFamily="18"/>
-                <a:ea typeface="Microsoft YaHei" pitchFamily="2"/>
-                <a:cs typeface="Lucida Sans" pitchFamily="2"/>
-              </a:rPr>
-              <a:t>Constantin Davidica - TA37</a:t>
-            </a:r>
-          </a:p>
-        </p:txBody>
-      </p:sp>
       <p:pic>
         <p:nvPicPr>
           <p:cNvPr id="4" name="Picture 3">
@@ -21669,6 +21198,71 @@
           </a:ln>
         </p:spPr>
       </p:pic>
+      <p:sp>
+        <p:nvSpPr>
+          <p:cNvPr id="8" name="Title 4">
+            <a:extLst>
+              <a:ext uri="{FF2B5EF4-FFF2-40B4-BE49-F238E27FC236}">
+                <a16:creationId xmlns:a16="http://schemas.microsoft.com/office/drawing/2014/main" id="{E9A38791-3B8B-1A90-E830-0B7042129A01}"/>
+              </a:ext>
+            </a:extLst>
+          </p:cNvPr>
+          <p:cNvSpPr txBox="1">
+            <a:spLocks/>
+          </p:cNvSpPr>
+          <p:nvPr/>
+        </p:nvSpPr>
+        <p:spPr>
+          <a:xfrm>
+            <a:off x="38100" y="0"/>
+            <a:ext cx="12153900" cy="731838"/>
+          </a:xfrm>
+          <a:prstGeom prst="rect">
+            <a:avLst/>
+          </a:prstGeom>
+        </p:spPr>
+        <p:txBody>
+          <a:bodyPr vert="horz" wrap="square" lIns="90000" tIns="45000" rIns="90000" bIns="45000" rtlCol="0" anchor="t">
+            <a:noAutofit/>
+          </a:bodyPr>
+          <a:lstStyle>
+            <a:lvl1pPr algn="l" defTabSz="914400" rtl="0" eaLnBrk="1" latinLnBrk="0" hangingPunct="1">
+              <a:lnSpc>
+                <a:spcPct val="90000"/>
+              </a:lnSpc>
+              <a:spcBef>
+                <a:spcPct val="0"/>
+              </a:spcBef>
+              <a:buNone/>
+              <a:defRPr sz="3600" kern="1200" cap="all" baseline="0">
+                <a:solidFill>
+                  <a:schemeClr val="tx1"/>
+                </a:solidFill>
+                <a:latin typeface="+mj-lt"/>
+                <a:ea typeface="+mj-ea"/>
+                <a:cs typeface="+mj-cs"/>
+              </a:defRPr>
+            </a:lvl1pPr>
+          </a:lstStyle>
+          <a:p>
+            <a:r>
+              <a:rPr lang="en-US" sz="4400">
+                <a:latin typeface="Calibri Light" pitchFamily="18"/>
+              </a:rPr>
+              <a:t>Partea II – </a:t>
+            </a:r>
+            <a:r>
+              <a:rPr lang="en-US" sz="3000">
+                <a:latin typeface="Calibri Light" pitchFamily="18"/>
+              </a:rPr>
+              <a:t>Framework de testare automata in selenium</a:t>
+            </a:r>
+            <a:endParaRPr lang="en-US" sz="3000" dirty="0">
+              <a:latin typeface="Calibri Light" pitchFamily="18"/>
+            </a:endParaRPr>
+          </a:p>
+        </p:txBody>
+      </p:sp>
     </p:spTree>
     <p:extLst>
       <p:ext uri="{BB962C8B-B14F-4D97-AF65-F5344CB8AC3E}">
@@ -24202,61 +23796,6 @@
           </a:p>
         </p:txBody>
       </p:sp>
-      <p:sp>
-        <p:nvSpPr>
-          <p:cNvPr id="6" name="TextBox 5">
-            <a:extLst>
-              <a:ext uri="{FF2B5EF4-FFF2-40B4-BE49-F238E27FC236}">
-                <a16:creationId xmlns:a16="http://schemas.microsoft.com/office/drawing/2014/main" id="{4C160C2C-01DB-7B07-0021-D183EC2B0AD0}"/>
-              </a:ext>
-            </a:extLst>
-          </p:cNvPr>
-          <p:cNvSpPr txBox="1"/>
-          <p:nvPr/>
-        </p:nvSpPr>
-        <p:spPr>
-          <a:xfrm>
-            <a:off x="8477907" y="6421086"/>
-            <a:ext cx="2694918" cy="369332"/>
-          </a:xfrm>
-          <a:prstGeom prst="rect">
-            <a:avLst/>
-          </a:prstGeom>
-          <a:noFill/>
-        </p:spPr>
-        <p:txBody>
-          <a:bodyPr wrap="square">
-            <a:spAutoFit/>
-          </a:bodyPr>
-          <a:lstStyle/>
-          <a:p>
-            <a:pPr marL="0" marR="0" lvl="0" indent="0" algn="r" rtl="0" hangingPunct="1">
-              <a:lnSpc>
-                <a:spcPct val="100000"/>
-              </a:lnSpc>
-              <a:spcBef>
-                <a:spcPts val="0"/>
-              </a:spcBef>
-              <a:spcAft>
-                <a:spcPts val="0"/>
-              </a:spcAft>
-              <a:buNone/>
-              <a:tabLst/>
-            </a:pPr>
-            <a:r>
-              <a:rPr lang="en-US" sz="1800" b="0" i="0" u="none" strike="noStrike" kern="1200" spc="0" dirty="0">
-                <a:ln>
-                  <a:noFill/>
-                </a:ln>
-                <a:latin typeface="Calibri" pitchFamily="18"/>
-                <a:ea typeface="Microsoft YaHei" pitchFamily="2"/>
-                <a:cs typeface="Lucida Sans" pitchFamily="2"/>
-              </a:rPr>
-              <a:t>Constantin Davidica - TA37</a:t>
-            </a:r>
-          </a:p>
-        </p:txBody>
-      </p:sp>
     </p:spTree>
   </p:cSld>
   <p:clrMapOvr>
@@ -26552,61 +26091,6 @@
           </a:p>
         </p:txBody>
       </p:sp>
-      <p:sp>
-        <p:nvSpPr>
-          <p:cNvPr id="6" name="TextBox 5">
-            <a:extLst>
-              <a:ext uri="{FF2B5EF4-FFF2-40B4-BE49-F238E27FC236}">
-                <a16:creationId xmlns:a16="http://schemas.microsoft.com/office/drawing/2014/main" id="{0A3E8BAD-84C9-E54F-8D56-22EBF7A63E49}"/>
-              </a:ext>
-            </a:extLst>
-          </p:cNvPr>
-          <p:cNvSpPr txBox="1"/>
-          <p:nvPr/>
-        </p:nvSpPr>
-        <p:spPr>
-          <a:xfrm>
-            <a:off x="8477907" y="6421086"/>
-            <a:ext cx="2694918" cy="369332"/>
-          </a:xfrm>
-          <a:prstGeom prst="rect">
-            <a:avLst/>
-          </a:prstGeom>
-          <a:noFill/>
-        </p:spPr>
-        <p:txBody>
-          <a:bodyPr wrap="square">
-            <a:spAutoFit/>
-          </a:bodyPr>
-          <a:lstStyle/>
-          <a:p>
-            <a:pPr marL="0" marR="0" lvl="0" indent="0" algn="r" rtl="0" hangingPunct="1">
-              <a:lnSpc>
-                <a:spcPct val="100000"/>
-              </a:lnSpc>
-              <a:spcBef>
-                <a:spcPts val="0"/>
-              </a:spcBef>
-              <a:spcAft>
-                <a:spcPts val="0"/>
-              </a:spcAft>
-              <a:buNone/>
-              <a:tabLst/>
-            </a:pPr>
-            <a:r>
-              <a:rPr lang="en-US" sz="1800" b="0" i="0" u="none" strike="noStrike" kern="1200" spc="0" dirty="0">
-                <a:ln>
-                  <a:noFill/>
-                </a:ln>
-                <a:latin typeface="Calibri" pitchFamily="18"/>
-                <a:ea typeface="Microsoft YaHei" pitchFamily="2"/>
-                <a:cs typeface="Lucida Sans" pitchFamily="2"/>
-              </a:rPr>
-              <a:t>Constantin Davidica - TA37</a:t>
-            </a:r>
-          </a:p>
-        </p:txBody>
-      </p:sp>
     </p:spTree>
   </p:cSld>
   <p:clrMapOvr>
@@ -29982,61 +29466,6 @@
                 <a:cs typeface="Lucida Sans" pitchFamily="2"/>
               </a:rPr>
               <a:t> ID, Class, Name, XPATH, CSS Selector, Link Text, Partial Link Text</a:t>
-            </a:r>
-          </a:p>
-        </p:txBody>
-      </p:sp>
-      <p:sp>
-        <p:nvSpPr>
-          <p:cNvPr id="2" name="TextBox 1">
-            <a:extLst>
-              <a:ext uri="{FF2B5EF4-FFF2-40B4-BE49-F238E27FC236}">
-                <a16:creationId xmlns:a16="http://schemas.microsoft.com/office/drawing/2014/main" id="{8D6D0412-FF1F-2436-B378-80B8498DC5CF}"/>
-              </a:ext>
-            </a:extLst>
-          </p:cNvPr>
-          <p:cNvSpPr txBox="1"/>
-          <p:nvPr/>
-        </p:nvSpPr>
-        <p:spPr>
-          <a:xfrm>
-            <a:off x="8477907" y="6421086"/>
-            <a:ext cx="2694918" cy="369332"/>
-          </a:xfrm>
-          <a:prstGeom prst="rect">
-            <a:avLst/>
-          </a:prstGeom>
-          <a:noFill/>
-        </p:spPr>
-        <p:txBody>
-          <a:bodyPr wrap="square">
-            <a:spAutoFit/>
-          </a:bodyPr>
-          <a:lstStyle/>
-          <a:p>
-            <a:pPr marL="0" marR="0" lvl="0" indent="0" algn="r" rtl="0" hangingPunct="1">
-              <a:lnSpc>
-                <a:spcPct val="100000"/>
-              </a:lnSpc>
-              <a:spcBef>
-                <a:spcPts val="0"/>
-              </a:spcBef>
-              <a:spcAft>
-                <a:spcPts val="0"/>
-              </a:spcAft>
-              <a:buNone/>
-              <a:tabLst/>
-            </a:pPr>
-            <a:r>
-              <a:rPr lang="en-US" sz="1800" b="0" i="0" u="none" strike="noStrike" kern="1200" spc="0" dirty="0">
-                <a:ln>
-                  <a:noFill/>
-                </a:ln>
-                <a:latin typeface="Calibri" pitchFamily="18"/>
-                <a:ea typeface="Microsoft YaHei" pitchFamily="2"/>
-                <a:cs typeface="Lucida Sans" pitchFamily="2"/>
-              </a:rPr>
-              <a:t>Constantin Davidica - TA37</a:t>
             </a:r>
           </a:p>
         </p:txBody>
@@ -33737,61 +33166,6 @@
               <a:ea typeface="Microsoft YaHei" pitchFamily="2"/>
               <a:cs typeface="Calibri" panose="020F0502020204030204" pitchFamily="34" charset="0"/>
             </a:endParaRPr>
-          </a:p>
-        </p:txBody>
-      </p:sp>
-      <p:sp>
-        <p:nvSpPr>
-          <p:cNvPr id="5" name="TextBox 4">
-            <a:extLst>
-              <a:ext uri="{FF2B5EF4-FFF2-40B4-BE49-F238E27FC236}">
-                <a16:creationId xmlns:a16="http://schemas.microsoft.com/office/drawing/2014/main" id="{8A3D710D-F71B-82CD-8FDF-E7FCCE6585B3}"/>
-              </a:ext>
-            </a:extLst>
-          </p:cNvPr>
-          <p:cNvSpPr txBox="1"/>
-          <p:nvPr/>
-        </p:nvSpPr>
-        <p:spPr>
-          <a:xfrm>
-            <a:off x="8477907" y="6421086"/>
-            <a:ext cx="2694918" cy="369332"/>
-          </a:xfrm>
-          <a:prstGeom prst="rect">
-            <a:avLst/>
-          </a:prstGeom>
-          <a:noFill/>
-        </p:spPr>
-        <p:txBody>
-          <a:bodyPr wrap="square">
-            <a:spAutoFit/>
-          </a:bodyPr>
-          <a:lstStyle/>
-          <a:p>
-            <a:pPr marL="0" marR="0" lvl="0" indent="0" algn="r" rtl="0" hangingPunct="1">
-              <a:lnSpc>
-                <a:spcPct val="100000"/>
-              </a:lnSpc>
-              <a:spcBef>
-                <a:spcPts val="0"/>
-              </a:spcBef>
-              <a:spcAft>
-                <a:spcPts val="0"/>
-              </a:spcAft>
-              <a:buNone/>
-              <a:tabLst/>
-            </a:pPr>
-            <a:r>
-              <a:rPr lang="en-US" sz="1800" b="0" i="0" u="none" strike="noStrike" kern="1200" spc="0" dirty="0">
-                <a:ln>
-                  <a:noFill/>
-                </a:ln>
-                <a:latin typeface="Calibri" pitchFamily="18"/>
-                <a:ea typeface="Microsoft YaHei" pitchFamily="2"/>
-                <a:cs typeface="Lucida Sans" pitchFamily="2"/>
-              </a:rPr>
-              <a:t>Constantin Davidica - TA37</a:t>
-            </a:r>
           </a:p>
         </p:txBody>
       </p:sp>
@@ -36731,61 +36105,6 @@
           </a:p>
         </p:txBody>
       </p:sp>
-      <p:sp>
-        <p:nvSpPr>
-          <p:cNvPr id="5" name="TextBox 4">
-            <a:extLst>
-              <a:ext uri="{FF2B5EF4-FFF2-40B4-BE49-F238E27FC236}">
-                <a16:creationId xmlns:a16="http://schemas.microsoft.com/office/drawing/2014/main" id="{D96FFCD4-5AAD-A174-37A7-3EBFCF3608D4}"/>
-              </a:ext>
-            </a:extLst>
-          </p:cNvPr>
-          <p:cNvSpPr txBox="1"/>
-          <p:nvPr/>
-        </p:nvSpPr>
-        <p:spPr>
-          <a:xfrm>
-            <a:off x="8477907" y="6421086"/>
-            <a:ext cx="2694918" cy="369332"/>
-          </a:xfrm>
-          <a:prstGeom prst="rect">
-            <a:avLst/>
-          </a:prstGeom>
-          <a:noFill/>
-        </p:spPr>
-        <p:txBody>
-          <a:bodyPr wrap="square">
-            <a:spAutoFit/>
-          </a:bodyPr>
-          <a:lstStyle/>
-          <a:p>
-            <a:pPr marL="0" marR="0" lvl="0" indent="0" algn="r" rtl="0" hangingPunct="1">
-              <a:lnSpc>
-                <a:spcPct val="100000"/>
-              </a:lnSpc>
-              <a:spcBef>
-                <a:spcPts val="0"/>
-              </a:spcBef>
-              <a:spcAft>
-                <a:spcPts val="0"/>
-              </a:spcAft>
-              <a:buNone/>
-              <a:tabLst/>
-            </a:pPr>
-            <a:r>
-              <a:rPr lang="en-US" sz="1800" b="0" i="0" u="none" strike="noStrike" kern="1200" spc="0" dirty="0">
-                <a:ln>
-                  <a:noFill/>
-                </a:ln>
-                <a:latin typeface="Calibri" pitchFamily="18"/>
-                <a:ea typeface="Microsoft YaHei" pitchFamily="2"/>
-                <a:cs typeface="Lucida Sans" pitchFamily="2"/>
-              </a:rPr>
-              <a:t>Constantin Davidica - TA37</a:t>
-            </a:r>
-          </a:p>
-        </p:txBody>
-      </p:sp>
     </p:spTree>
   </p:cSld>
   <p:clrMapOvr>
@@ -37432,24 +36751,6 @@
               </a:rPr>
               <a:t>www.tiriacauto.ro/</a:t>
             </a:r>
-            <a:endParaRPr lang="en-US" sz="2000" b="0" i="0" u="none" strike="noStrike" kern="1200" spc="0" dirty="0">
-              <a:ln>
-                <a:noFill/>
-              </a:ln>
-              <a:solidFill>
-                <a:schemeClr val="bg1"/>
-              </a:solidFill>
-              <a:latin typeface="Calibri" pitchFamily="34"/>
-              <a:ea typeface="Microsoft YaHei" pitchFamily="2"/>
-              <a:cs typeface="Lucida Sans" pitchFamily="2"/>
-              <a:hlinkClick r:id="rId3">
-                <a:extLst>
-                  <a:ext uri="{A12FA001-AC4F-418D-AE19-62706E023703}">
-                    <ahyp:hlinkClr xmlns:ahyp="http://schemas.microsoft.com/office/drawing/2018/hyperlinkcolor" val="tx"/>
-                  </a:ext>
-                </a:extLst>
-              </a:hlinkClick>
-            </a:endParaRPr>
           </a:p>
           <a:p>
             <a:pPr marL="0" marR="0" lvl="0" indent="0" algn="l" rtl="0" hangingPunct="0">
@@ -38562,61 +37863,6 @@
           </a:ln>
         </p:spPr>
       </p:pic>
-      <p:sp>
-        <p:nvSpPr>
-          <p:cNvPr id="12" name="TextBox 11">
-            <a:extLst>
-              <a:ext uri="{FF2B5EF4-FFF2-40B4-BE49-F238E27FC236}">
-                <a16:creationId xmlns:a16="http://schemas.microsoft.com/office/drawing/2014/main" id="{E3087487-ECA2-3927-86F6-2C64853C4431}"/>
-              </a:ext>
-            </a:extLst>
-          </p:cNvPr>
-          <p:cNvSpPr txBox="1"/>
-          <p:nvPr/>
-        </p:nvSpPr>
-        <p:spPr>
-          <a:xfrm>
-            <a:off x="8477907" y="6421086"/>
-            <a:ext cx="2694918" cy="369332"/>
-          </a:xfrm>
-          <a:prstGeom prst="rect">
-            <a:avLst/>
-          </a:prstGeom>
-          <a:noFill/>
-        </p:spPr>
-        <p:txBody>
-          <a:bodyPr wrap="square">
-            <a:spAutoFit/>
-          </a:bodyPr>
-          <a:lstStyle/>
-          <a:p>
-            <a:pPr marL="0" marR="0" lvl="0" indent="0" algn="r" rtl="0" hangingPunct="1">
-              <a:lnSpc>
-                <a:spcPct val="100000"/>
-              </a:lnSpc>
-              <a:spcBef>
-                <a:spcPts val="0"/>
-              </a:spcBef>
-              <a:spcAft>
-                <a:spcPts val="0"/>
-              </a:spcAft>
-              <a:buNone/>
-              <a:tabLst/>
-            </a:pPr>
-            <a:r>
-              <a:rPr lang="en-US" sz="1800" b="0" i="0" u="none" strike="noStrike" kern="1200" spc="0" dirty="0">
-                <a:ln>
-                  <a:noFill/>
-                </a:ln>
-                <a:latin typeface="Calibri" pitchFamily="18"/>
-                <a:ea typeface="Microsoft YaHei" pitchFamily="2"/>
-                <a:cs typeface="Lucida Sans" pitchFamily="2"/>
-              </a:rPr>
-              <a:t>Constantin Davidica - TA37</a:t>
-            </a:r>
-          </a:p>
-        </p:txBody>
-      </p:sp>
     </p:spTree>
   </p:cSld>
   <p:clrMapOvr>
@@ -39977,16 +39223,34 @@
           <a:p>
             <a:pPr lvl="0"/>
             <a:r>
-              <a:rPr lang="en-US" sz="4400">
+              <a:rPr lang="en-US" sz="4400" dirty="0" err="1">
                 <a:latin typeface="Calibri Light" pitchFamily="18"/>
               </a:rPr>
-              <a:t>Partea II – </a:t>
-            </a:r>
-            <a:r>
-              <a:rPr lang="en-US" sz="3000">
+              <a:t>Partea</a:t>
+            </a:r>
+            <a:r>
+              <a:rPr lang="en-US" sz="4400" dirty="0">
                 <a:latin typeface="Calibri Light" pitchFamily="18"/>
               </a:rPr>
-              <a:t>Framework de testare automata in selenium</a:t>
+              <a:t> II – </a:t>
+            </a:r>
+            <a:r>
+              <a:rPr lang="en-US" sz="3000" dirty="0">
+                <a:latin typeface="Calibri Light" pitchFamily="18"/>
+              </a:rPr>
+              <a:t>Framework de </a:t>
+            </a:r>
+            <a:r>
+              <a:rPr lang="en-US" sz="3000" dirty="0" err="1">
+                <a:latin typeface="Calibri Light" pitchFamily="18"/>
+              </a:rPr>
+              <a:t>testare</a:t>
+            </a:r>
+            <a:r>
+              <a:rPr lang="en-US" sz="3000" dirty="0">
+                <a:latin typeface="Calibri Light" pitchFamily="18"/>
+              </a:rPr>
+              <a:t> automata in selenium</a:t>
             </a:r>
           </a:p>
         </p:txBody>
@@ -40105,61 +39369,6 @@
           </a:ln>
         </p:spPr>
       </p:pic>
-      <p:sp>
-        <p:nvSpPr>
-          <p:cNvPr id="11" name="TextBox 10">
-            <a:extLst>
-              <a:ext uri="{FF2B5EF4-FFF2-40B4-BE49-F238E27FC236}">
-                <a16:creationId xmlns:a16="http://schemas.microsoft.com/office/drawing/2014/main" id="{50F08469-CCDB-AE2C-8414-CA391CFD0EFC}"/>
-              </a:ext>
-            </a:extLst>
-          </p:cNvPr>
-          <p:cNvSpPr txBox="1"/>
-          <p:nvPr/>
-        </p:nvSpPr>
-        <p:spPr>
-          <a:xfrm>
-            <a:off x="8477907" y="6421086"/>
-            <a:ext cx="2694918" cy="369332"/>
-          </a:xfrm>
-          <a:prstGeom prst="rect">
-            <a:avLst/>
-          </a:prstGeom>
-          <a:noFill/>
-        </p:spPr>
-        <p:txBody>
-          <a:bodyPr wrap="square">
-            <a:spAutoFit/>
-          </a:bodyPr>
-          <a:lstStyle/>
-          <a:p>
-            <a:pPr marL="0" marR="0" lvl="0" indent="0" algn="r" rtl="0" hangingPunct="1">
-              <a:lnSpc>
-                <a:spcPct val="100000"/>
-              </a:lnSpc>
-              <a:spcBef>
-                <a:spcPts val="0"/>
-              </a:spcBef>
-              <a:spcAft>
-                <a:spcPts val="0"/>
-              </a:spcAft>
-              <a:buNone/>
-              <a:tabLst/>
-            </a:pPr>
-            <a:r>
-              <a:rPr lang="en-US" sz="1800" b="0" i="0" u="none" strike="noStrike" kern="1200" spc="0" dirty="0">
-                <a:ln>
-                  <a:noFill/>
-                </a:ln>
-                <a:latin typeface="Calibri" pitchFamily="18"/>
-                <a:ea typeface="Microsoft YaHei" pitchFamily="2"/>
-                <a:cs typeface="Lucida Sans" pitchFamily="2"/>
-              </a:rPr>
-              <a:t>Constantin Davidica - TA37</a:t>
-            </a:r>
-          </a:p>
-        </p:txBody>
-      </p:sp>
     </p:spTree>
   </p:cSld>
   <p:clrMapOvr>
@@ -40915,61 +40124,6 @@
           </a:ln>
         </p:spPr>
       </p:pic>
-      <p:sp>
-        <p:nvSpPr>
-          <p:cNvPr id="9" name="TextBox 8">
-            <a:extLst>
-              <a:ext uri="{FF2B5EF4-FFF2-40B4-BE49-F238E27FC236}">
-                <a16:creationId xmlns:a16="http://schemas.microsoft.com/office/drawing/2014/main" id="{F54E3031-C223-9C1D-B97B-A688F79A73F1}"/>
-              </a:ext>
-            </a:extLst>
-          </p:cNvPr>
-          <p:cNvSpPr txBox="1"/>
-          <p:nvPr/>
-        </p:nvSpPr>
-        <p:spPr>
-          <a:xfrm>
-            <a:off x="8477907" y="6421086"/>
-            <a:ext cx="2694918" cy="369332"/>
-          </a:xfrm>
-          <a:prstGeom prst="rect">
-            <a:avLst/>
-          </a:prstGeom>
-          <a:noFill/>
-        </p:spPr>
-        <p:txBody>
-          <a:bodyPr wrap="square">
-            <a:spAutoFit/>
-          </a:bodyPr>
-          <a:lstStyle/>
-          <a:p>
-            <a:pPr marL="0" marR="0" lvl="0" indent="0" algn="r" rtl="0" hangingPunct="1">
-              <a:lnSpc>
-                <a:spcPct val="100000"/>
-              </a:lnSpc>
-              <a:spcBef>
-                <a:spcPts val="0"/>
-              </a:spcBef>
-              <a:spcAft>
-                <a:spcPts val="0"/>
-              </a:spcAft>
-              <a:buNone/>
-              <a:tabLst/>
-            </a:pPr>
-            <a:r>
-              <a:rPr lang="en-US" sz="1800" b="0" i="0" u="none" strike="noStrike" kern="1200" spc="0" dirty="0">
-                <a:ln>
-                  <a:noFill/>
-                </a:ln>
-                <a:latin typeface="Calibri" pitchFamily="18"/>
-                <a:ea typeface="Microsoft YaHei" pitchFamily="2"/>
-                <a:cs typeface="Lucida Sans" pitchFamily="2"/>
-              </a:rPr>
-              <a:t>Constantin Davidica - TA37</a:t>
-            </a:r>
-          </a:p>
-        </p:txBody>
-      </p:sp>
     </p:spTree>
   </p:cSld>
   <p:clrMapOvr>
